--- a/180423.pptx
+++ b/180423.pptx
@@ -1,6 +1,6 @@
 
 <file path=ppt/presentation.xml><?xml version="1.0" encoding="utf-8"?>
-<p:presentation xmlns:a="http://schemas.openxmlformats.org/drawingml/2006/main" xmlns:r="http://schemas.openxmlformats.org/officeDocument/2006/relationships" xmlns:p="http://schemas.openxmlformats.org/presentationml/2006/main" saveSubsetFonts="1">
+<p:presentation xmlns:a="http://schemas.openxmlformats.org/drawingml/2006/main" xmlns:r="http://schemas.openxmlformats.org/officeDocument/2006/relationships" xmlns:p="http://schemas.openxmlformats.org/presentationml/2006/main" embedTrueTypeFonts="1" saveSubsetFonts="1">
   <p:sldMasterIdLst>
     <p:sldMasterId id="2147483648" r:id="rId1"/>
   </p:sldMasterIdLst>
@@ -34,6 +34,21 @@
   </p:sldIdLst>
   <p:sldSz cx="12192000" cy="6858000"/>
   <p:notesSz cx="6858000" cy="9144000"/>
+  <p:embeddedFontLst>
+    <p:embeddedFont>
+      <p:font typeface="배달의민족 도현" panose="020B0600000101010101" pitchFamily="50" charset="-127"/>
+      <p:regular r:id="rId28"/>
+    </p:embeddedFont>
+    <p:embeddedFont>
+      <p:font typeface="배달의민족 주아" panose="02020603020101020101" pitchFamily="18" charset="-127"/>
+      <p:regular r:id="rId29"/>
+    </p:embeddedFont>
+    <p:embeddedFont>
+      <p:font typeface="맑은 고딕" panose="020B0503020000020004" pitchFamily="50" charset="-127"/>
+      <p:regular r:id="rId30"/>
+      <p:bold r:id="rId31"/>
+    </p:embeddedFont>
+  </p:embeddedFontLst>
   <p:defaultTextStyle>
     <a:defPPr>
       <a:defRPr lang="ko-KR"/>
@@ -279,7 +294,7 @@
           <a:p>
             <a:fld id="{F4D55631-4D48-4F2C-B2A0-FABB3E6B0108}" type="datetimeFigureOut">
               <a:rPr lang="ko-KR" altLang="en-US" smtClean="0"/>
-              <a:t>2018-04-22</a:t>
+              <a:t>2018-04-23</a:t>
             </a:fld>
             <a:endParaRPr lang="ko-KR" altLang="en-US"/>
           </a:p>
@@ -449,7 +464,7 @@
           <a:p>
             <a:fld id="{F4D55631-4D48-4F2C-B2A0-FABB3E6B0108}" type="datetimeFigureOut">
               <a:rPr lang="ko-KR" altLang="en-US" smtClean="0"/>
-              <a:t>2018-04-22</a:t>
+              <a:t>2018-04-23</a:t>
             </a:fld>
             <a:endParaRPr lang="ko-KR" altLang="en-US"/>
           </a:p>
@@ -629,7 +644,7 @@
           <a:p>
             <a:fld id="{F4D55631-4D48-4F2C-B2A0-FABB3E6B0108}" type="datetimeFigureOut">
               <a:rPr lang="ko-KR" altLang="en-US" smtClean="0"/>
-              <a:t>2018-04-22</a:t>
+              <a:t>2018-04-23</a:t>
             </a:fld>
             <a:endParaRPr lang="ko-KR" altLang="en-US"/>
           </a:p>
@@ -799,7 +814,7 @@
           <a:p>
             <a:fld id="{F4D55631-4D48-4F2C-B2A0-FABB3E6B0108}" type="datetimeFigureOut">
               <a:rPr lang="ko-KR" altLang="en-US" smtClean="0"/>
-              <a:t>2018-04-22</a:t>
+              <a:t>2018-04-23</a:t>
             </a:fld>
             <a:endParaRPr lang="ko-KR" altLang="en-US"/>
           </a:p>
@@ -1045,7 +1060,7 @@
           <a:p>
             <a:fld id="{F4D55631-4D48-4F2C-B2A0-FABB3E6B0108}" type="datetimeFigureOut">
               <a:rPr lang="ko-KR" altLang="en-US" smtClean="0"/>
-              <a:t>2018-04-22</a:t>
+              <a:t>2018-04-23</a:t>
             </a:fld>
             <a:endParaRPr lang="ko-KR" altLang="en-US"/>
           </a:p>
@@ -1277,7 +1292,7 @@
           <a:p>
             <a:fld id="{F4D55631-4D48-4F2C-B2A0-FABB3E6B0108}" type="datetimeFigureOut">
               <a:rPr lang="ko-KR" altLang="en-US" smtClean="0"/>
-              <a:t>2018-04-22</a:t>
+              <a:t>2018-04-23</a:t>
             </a:fld>
             <a:endParaRPr lang="ko-KR" altLang="en-US"/>
           </a:p>
@@ -1644,7 +1659,7 @@
           <a:p>
             <a:fld id="{F4D55631-4D48-4F2C-B2A0-FABB3E6B0108}" type="datetimeFigureOut">
               <a:rPr lang="ko-KR" altLang="en-US" smtClean="0"/>
-              <a:t>2018-04-22</a:t>
+              <a:t>2018-04-23</a:t>
             </a:fld>
             <a:endParaRPr lang="ko-KR" altLang="en-US"/>
           </a:p>
@@ -1762,7 +1777,7 @@
           <a:p>
             <a:fld id="{F4D55631-4D48-4F2C-B2A0-FABB3E6B0108}" type="datetimeFigureOut">
               <a:rPr lang="ko-KR" altLang="en-US" smtClean="0"/>
-              <a:t>2018-04-22</a:t>
+              <a:t>2018-04-23</a:t>
             </a:fld>
             <a:endParaRPr lang="ko-KR" altLang="en-US"/>
           </a:p>
@@ -1857,7 +1872,7 @@
           <a:p>
             <a:fld id="{F4D55631-4D48-4F2C-B2A0-FABB3E6B0108}" type="datetimeFigureOut">
               <a:rPr lang="ko-KR" altLang="en-US" smtClean="0"/>
-              <a:t>2018-04-22</a:t>
+              <a:t>2018-04-23</a:t>
             </a:fld>
             <a:endParaRPr lang="ko-KR" altLang="en-US"/>
           </a:p>
@@ -2134,7 +2149,7 @@
           <a:p>
             <a:fld id="{F4D55631-4D48-4F2C-B2A0-FABB3E6B0108}" type="datetimeFigureOut">
               <a:rPr lang="ko-KR" altLang="en-US" smtClean="0"/>
-              <a:t>2018-04-22</a:t>
+              <a:t>2018-04-23</a:t>
             </a:fld>
             <a:endParaRPr lang="ko-KR" altLang="en-US"/>
           </a:p>
@@ -2387,7 +2402,7 @@
           <a:p>
             <a:fld id="{F4D55631-4D48-4F2C-B2A0-FABB3E6B0108}" type="datetimeFigureOut">
               <a:rPr lang="ko-KR" altLang="en-US" smtClean="0"/>
-              <a:t>2018-04-22</a:t>
+              <a:t>2018-04-23</a:t>
             </a:fld>
             <a:endParaRPr lang="ko-KR" altLang="en-US"/>
           </a:p>
@@ -2603,7 +2618,7 @@
           <a:p>
             <a:fld id="{F4D55631-4D48-4F2C-B2A0-FABB3E6B0108}" type="datetimeFigureOut">
               <a:rPr lang="ko-KR" altLang="en-US" smtClean="0"/>
-              <a:t>2018-04-22</a:t>
+              <a:t>2018-04-23</a:t>
             </a:fld>
             <a:endParaRPr lang="ko-KR" altLang="en-US"/>
           </a:p>
@@ -3106,20 +3121,6 @@
               </a:rPr>
               <a:t>JEONY BAR</a:t>
             </a:r>
-            <a:endParaRPr lang="en-US" altLang="ko-KR" sz="2800" dirty="0" smtClean="0">
-              <a:ln w="9525">
-                <a:solidFill>
-                  <a:schemeClr val="bg1">
-                    <a:alpha val="0"/>
-                  </a:schemeClr>
-                </a:solidFill>
-              </a:ln>
-              <a:solidFill>
-                <a:schemeClr val="bg1"/>
-              </a:solidFill>
-              <a:latin typeface="배달의민족 도현" panose="020B0600000101010101" pitchFamily="50" charset="-127"/>
-              <a:ea typeface="배달의민족 도현" panose="020B0600000101010101" pitchFamily="50" charset="-127"/>
-            </a:endParaRPr>
           </a:p>
         </p:txBody>
       </p:sp>
@@ -5964,20 +5965,6 @@
               </a:rPr>
               <a:t>more</a:t>
             </a:r>
-            <a:endParaRPr lang="en-US" altLang="ko-KR" sz="2800" dirty="0" smtClean="0">
-              <a:ln w="9525">
-                <a:solidFill>
-                  <a:schemeClr val="bg1">
-                    <a:alpha val="0"/>
-                  </a:schemeClr>
-                </a:solidFill>
-              </a:ln>
-              <a:solidFill>
-                <a:schemeClr val="bg1"/>
-              </a:solidFill>
-              <a:latin typeface="배달의민족 도현" panose="020B0600000101010101" pitchFamily="50" charset="-127"/>
-              <a:ea typeface="배달의민족 도현" panose="020B0600000101010101" pitchFamily="50" charset="-127"/>
-            </a:endParaRPr>
           </a:p>
         </p:txBody>
       </p:sp>
@@ -6529,17 +6516,7 @@
                 <a:latin typeface="배달의민족 도현" panose="020B0600000101010101" pitchFamily="50" charset="-127"/>
                 <a:ea typeface="배달의민족 도현" panose="020B0600000101010101" pitchFamily="50" charset="-127"/>
               </a:rPr>
-              <a:t>사용해 </a:t>
-            </a:r>
-            <a:r>
-              <a:rPr lang="ko-KR" altLang="en-US" sz="1400" spc="100" dirty="0" smtClean="0">
-                <a:solidFill>
-                  <a:srgbClr val="525354"/>
-                </a:solidFill>
-                <a:latin typeface="배달의민족 도현" panose="020B0600000101010101" pitchFamily="50" charset="-127"/>
-                <a:ea typeface="배달의민족 도현" panose="020B0600000101010101" pitchFamily="50" charset="-127"/>
-              </a:rPr>
-              <a:t>중복처리</a:t>
+              <a:t>사용해 중복처리</a:t>
             </a:r>
             <a:endParaRPr lang="en-US" altLang="ko-KR" sz="1400" spc="100" dirty="0" smtClean="0">
               <a:solidFill>
@@ -14987,39 +14964,8 @@
                 <a:latin typeface="배달의민족 도현" panose="020B0600000101010101" pitchFamily="50" charset="-127"/>
                 <a:ea typeface="배달의민족 도현" panose="020B0600000101010101" pitchFamily="50" charset="-127"/>
               </a:rPr>
-              <a:t>01. </a:t>
+              <a:t>01. Topic</a:t>
             </a:r>
-            <a:r>
-              <a:rPr lang="en-US" altLang="ko-KR" sz="1600" dirty="0" smtClean="0">
-                <a:ln w="9525">
-                  <a:solidFill>
-                    <a:schemeClr val="bg1">
-                      <a:alpha val="0"/>
-                    </a:schemeClr>
-                  </a:solidFill>
-                </a:ln>
-                <a:solidFill>
-                  <a:schemeClr val="bg1"/>
-                </a:solidFill>
-                <a:latin typeface="배달의민족 도현" panose="020B0600000101010101" pitchFamily="50" charset="-127"/>
-                <a:ea typeface="배달의민족 도현" panose="020B0600000101010101" pitchFamily="50" charset="-127"/>
-              </a:rPr>
-              <a:t>Topic</a:t>
-            </a:r>
-            <a:endParaRPr lang="en-US" altLang="ko-KR" sz="1600" dirty="0" smtClean="0">
-              <a:ln w="9525">
-                <a:solidFill>
-                  <a:schemeClr val="bg1">
-                    <a:alpha val="0"/>
-                  </a:schemeClr>
-                </a:solidFill>
-              </a:ln>
-              <a:solidFill>
-                <a:schemeClr val="bg1"/>
-              </a:solidFill>
-              <a:latin typeface="배달의민족 도현" panose="020B0600000101010101" pitchFamily="50" charset="-127"/>
-              <a:ea typeface="배달의민족 도현" panose="020B0600000101010101" pitchFamily="50" charset="-127"/>
-            </a:endParaRPr>
           </a:p>
         </p:txBody>
       </p:sp>
@@ -15069,39 +15015,8 @@
                 <a:latin typeface="배달의민족 도현" panose="020B0600000101010101" pitchFamily="50" charset="-127"/>
                 <a:ea typeface="배달의민족 도현" panose="020B0600000101010101" pitchFamily="50" charset="-127"/>
               </a:rPr>
-              <a:t>02</a:t>
+              <a:t>02. Tools</a:t>
             </a:r>
-            <a:r>
-              <a:rPr lang="en-US" altLang="ko-KR" sz="1600" dirty="0" smtClean="0">
-                <a:ln w="9525">
-                  <a:solidFill>
-                    <a:schemeClr val="bg1">
-                      <a:alpha val="0"/>
-                    </a:schemeClr>
-                  </a:solidFill>
-                </a:ln>
-                <a:solidFill>
-                  <a:schemeClr val="bg1"/>
-                </a:solidFill>
-                <a:latin typeface="배달의민족 도현" panose="020B0600000101010101" pitchFamily="50" charset="-127"/>
-                <a:ea typeface="배달의민족 도현" panose="020B0600000101010101" pitchFamily="50" charset="-127"/>
-              </a:rPr>
-              <a:t>. Tools</a:t>
-            </a:r>
-            <a:endParaRPr lang="en-US" altLang="ko-KR" sz="1600" dirty="0" smtClean="0">
-              <a:ln w="9525">
-                <a:solidFill>
-                  <a:schemeClr val="bg1">
-                    <a:alpha val="0"/>
-                  </a:schemeClr>
-                </a:solidFill>
-              </a:ln>
-              <a:solidFill>
-                <a:schemeClr val="bg1"/>
-              </a:solidFill>
-              <a:latin typeface="배달의민족 도현" panose="020B0600000101010101" pitchFamily="50" charset="-127"/>
-              <a:ea typeface="배달의민족 도현" panose="020B0600000101010101" pitchFamily="50" charset="-127"/>
-            </a:endParaRPr>
           </a:p>
         </p:txBody>
       </p:sp>
@@ -15151,39 +15066,8 @@
                 <a:latin typeface="배달의민족 도현" panose="020B0600000101010101" pitchFamily="50" charset="-127"/>
                 <a:ea typeface="배달의민족 도현" panose="020B0600000101010101" pitchFamily="50" charset="-127"/>
               </a:rPr>
-              <a:t>03. </a:t>
+              <a:t>03. ERD</a:t>
             </a:r>
-            <a:r>
-              <a:rPr lang="en-US" altLang="ko-KR" sz="1600" dirty="0" smtClean="0">
-                <a:ln w="9525">
-                  <a:solidFill>
-                    <a:schemeClr val="bg1">
-                      <a:alpha val="0"/>
-                    </a:schemeClr>
-                  </a:solidFill>
-                </a:ln>
-                <a:solidFill>
-                  <a:schemeClr val="bg1"/>
-                </a:solidFill>
-                <a:latin typeface="배달의민족 도현" panose="020B0600000101010101" pitchFamily="50" charset="-127"/>
-                <a:ea typeface="배달의민족 도현" panose="020B0600000101010101" pitchFamily="50" charset="-127"/>
-              </a:rPr>
-              <a:t>ERD</a:t>
-            </a:r>
-            <a:endParaRPr lang="en-US" altLang="ko-KR" sz="1600" dirty="0" smtClean="0">
-              <a:ln w="9525">
-                <a:solidFill>
-                  <a:schemeClr val="bg1">
-                    <a:alpha val="0"/>
-                  </a:schemeClr>
-                </a:solidFill>
-              </a:ln>
-              <a:solidFill>
-                <a:schemeClr val="bg1"/>
-              </a:solidFill>
-              <a:latin typeface="배달의민족 도현" panose="020B0600000101010101" pitchFamily="50" charset="-127"/>
-              <a:ea typeface="배달의민족 도현" panose="020B0600000101010101" pitchFamily="50" charset="-127"/>
-            </a:endParaRPr>
           </a:p>
         </p:txBody>
       </p:sp>
@@ -15233,39 +15117,8 @@
                 <a:latin typeface="배달의민족 도현" panose="020B0600000101010101" pitchFamily="50" charset="-127"/>
                 <a:ea typeface="배달의민족 도현" panose="020B0600000101010101" pitchFamily="50" charset="-127"/>
               </a:rPr>
-              <a:t>04. </a:t>
+              <a:t>04. Implements</a:t>
             </a:r>
-            <a:r>
-              <a:rPr lang="en-US" altLang="ko-KR" sz="1600" dirty="0" smtClean="0">
-                <a:ln w="9525">
-                  <a:solidFill>
-                    <a:schemeClr val="bg1">
-                      <a:alpha val="0"/>
-                    </a:schemeClr>
-                  </a:solidFill>
-                </a:ln>
-                <a:solidFill>
-                  <a:schemeClr val="bg1"/>
-                </a:solidFill>
-                <a:latin typeface="배달의민족 도현" panose="020B0600000101010101" pitchFamily="50" charset="-127"/>
-                <a:ea typeface="배달의민족 도현" panose="020B0600000101010101" pitchFamily="50" charset="-127"/>
-              </a:rPr>
-              <a:t>Implements</a:t>
-            </a:r>
-            <a:endParaRPr lang="en-US" altLang="ko-KR" sz="1600" dirty="0" smtClean="0">
-              <a:ln w="9525">
-                <a:solidFill>
-                  <a:schemeClr val="bg1">
-                    <a:alpha val="0"/>
-                  </a:schemeClr>
-                </a:solidFill>
-              </a:ln>
-              <a:solidFill>
-                <a:schemeClr val="bg1"/>
-              </a:solidFill>
-              <a:latin typeface="배달의민족 도현" panose="020B0600000101010101" pitchFamily="50" charset="-127"/>
-              <a:ea typeface="배달의민족 도현" panose="020B0600000101010101" pitchFamily="50" charset="-127"/>
-            </a:endParaRPr>
           </a:p>
         </p:txBody>
       </p:sp>
@@ -16456,20 +16309,6 @@
               </a:rPr>
               <a:t>view</a:t>
             </a:r>
-            <a:endParaRPr lang="en-US" altLang="ko-KR" sz="2800" dirty="0" smtClean="0">
-              <a:ln w="9525">
-                <a:solidFill>
-                  <a:schemeClr val="bg1">
-                    <a:alpha val="0"/>
-                  </a:schemeClr>
-                </a:solidFill>
-              </a:ln>
-              <a:solidFill>
-                <a:schemeClr val="bg1"/>
-              </a:solidFill>
-              <a:latin typeface="배달의민족 도현" panose="020B0600000101010101" pitchFamily="50" charset="-127"/>
-              <a:ea typeface="배달의민족 도현" panose="020B0600000101010101" pitchFamily="50" charset="-127"/>
-            </a:endParaRPr>
           </a:p>
         </p:txBody>
       </p:sp>
@@ -38603,20 +38442,6 @@
               </a:rPr>
               <a:t>TOPIC</a:t>
             </a:r>
-            <a:endParaRPr lang="en-US" altLang="ko-KR" sz="3600" dirty="0" smtClean="0">
-              <a:ln w="9525">
-                <a:solidFill>
-                  <a:schemeClr val="bg1">
-                    <a:alpha val="0"/>
-                  </a:schemeClr>
-                </a:solidFill>
-              </a:ln>
-              <a:solidFill>
-                <a:schemeClr val="bg1"/>
-              </a:solidFill>
-              <a:latin typeface="배달의민족 도현" panose="020B0600000101010101" pitchFamily="50" charset="-127"/>
-              <a:ea typeface="배달의민족 도현" panose="020B0600000101010101" pitchFamily="50" charset="-127"/>
-            </a:endParaRPr>
           </a:p>
         </p:txBody>
       </p:sp>
@@ -39638,21 +39463,6 @@
               </a:rPr>
               <a:t>!!</a:t>
             </a:r>
-            <a:endParaRPr lang="en-US" altLang="ko-KR" sz="1400" dirty="0" smtClean="0">
-              <a:ln>
-                <a:solidFill>
-                  <a:schemeClr val="accent1">
-                    <a:shade val="50000"/>
-                    <a:alpha val="0"/>
-                  </a:schemeClr>
-                </a:solidFill>
-              </a:ln>
-              <a:solidFill>
-                <a:schemeClr val="bg1"/>
-              </a:solidFill>
-              <a:latin typeface="배달의민족 도현" panose="020B0600000101010101" pitchFamily="50" charset="-127"/>
-              <a:ea typeface="배달의민족 도현" panose="020B0600000101010101" pitchFamily="50" charset="-127"/>
-            </a:endParaRPr>
           </a:p>
           <a:p>
             <a:pPr algn="ctr"/>
@@ -40137,25 +39947,7 @@
                 <a:latin typeface="배달의민족 도현" panose="020B0600000101010101" pitchFamily="50" charset="-127"/>
                 <a:ea typeface="배달의민족 도현" panose="020B0600000101010101" pitchFamily="50" charset="-127"/>
               </a:rPr>
-              <a:t>댓글</a:t>
-            </a:r>
-            <a:r>
-              <a:rPr lang="ko-KR" altLang="en-US" sz="1400" dirty="0" err="1" smtClean="0">
-                <a:ln>
-                  <a:solidFill>
-                    <a:schemeClr val="accent1">
-                      <a:shade val="50000"/>
-                      <a:alpha val="0"/>
-                    </a:schemeClr>
-                  </a:solidFill>
-                </a:ln>
-                <a:solidFill>
-                  <a:schemeClr val="bg1"/>
-                </a:solidFill>
-                <a:latin typeface="배달의민족 도현" panose="020B0600000101010101" pitchFamily="50" charset="-127"/>
-                <a:ea typeface="배달의민족 도현" panose="020B0600000101010101" pitchFamily="50" charset="-127"/>
-              </a:rPr>
-              <a:t>과</a:t>
+              <a:t>댓글과</a:t>
             </a:r>
             <a:r>
               <a:rPr lang="ko-KR" altLang="en-US" sz="1400" dirty="0" smtClean="0">
@@ -40820,20 +40612,6 @@
               </a:rPr>
               <a:t>TOOLS</a:t>
             </a:r>
-            <a:endParaRPr lang="en-US" altLang="ko-KR" sz="3600" dirty="0" smtClean="0">
-              <a:ln w="9525">
-                <a:solidFill>
-                  <a:schemeClr val="bg1">
-                    <a:alpha val="0"/>
-                  </a:schemeClr>
-                </a:solidFill>
-              </a:ln>
-              <a:solidFill>
-                <a:schemeClr val="bg1"/>
-              </a:solidFill>
-              <a:latin typeface="배달의민족 도현" panose="020B0600000101010101" pitchFamily="50" charset="-127"/>
-              <a:ea typeface="배달의민족 도현" panose="020B0600000101010101" pitchFamily="50" charset="-127"/>
-            </a:endParaRPr>
           </a:p>
         </p:txBody>
       </p:sp>
@@ -41378,20 +41156,6 @@
               </a:rPr>
               <a:t>Tools</a:t>
             </a:r>
-            <a:endParaRPr lang="en-US" altLang="ko-KR" sz="2800" dirty="0" smtClean="0">
-              <a:ln w="9525">
-                <a:solidFill>
-                  <a:schemeClr val="bg1">
-                    <a:alpha val="0"/>
-                  </a:schemeClr>
-                </a:solidFill>
-              </a:ln>
-              <a:solidFill>
-                <a:schemeClr val="bg1"/>
-              </a:solidFill>
-              <a:latin typeface="배달의민족 도현" panose="020B0600000101010101" pitchFamily="50" charset="-127"/>
-              <a:ea typeface="배달의민족 도현" panose="020B0600000101010101" pitchFamily="50" charset="-127"/>
-            </a:endParaRPr>
           </a:p>
         </p:txBody>
       </p:sp>
@@ -41804,20 +41568,6 @@
               </a:rPr>
               <a:t>Apache Tomcat</a:t>
             </a:r>
-            <a:endParaRPr lang="en-US" altLang="ko-KR" sz="1400" dirty="0" smtClean="0">
-              <a:ln w="9525">
-                <a:solidFill>
-                  <a:schemeClr val="bg1">
-                    <a:alpha val="0"/>
-                  </a:schemeClr>
-                </a:solidFill>
-              </a:ln>
-              <a:solidFill>
-                <a:schemeClr val="bg1"/>
-              </a:solidFill>
-              <a:latin typeface="배달의민족 도현" panose="020B0600000101010101" pitchFamily="50" charset="-127"/>
-              <a:ea typeface="배달의민족 도현" panose="020B0600000101010101" pitchFamily="50" charset="-127"/>
-            </a:endParaRPr>
           </a:p>
         </p:txBody>
       </p:sp>
@@ -42019,20 +41769,6 @@
               </a:rPr>
               <a:t>Java</a:t>
             </a:r>
-            <a:endParaRPr lang="en-US" altLang="ko-KR" sz="1400" dirty="0" smtClean="0">
-              <a:ln w="9525">
-                <a:solidFill>
-                  <a:schemeClr val="bg1">
-                    <a:alpha val="0"/>
-                  </a:schemeClr>
-                </a:solidFill>
-              </a:ln>
-              <a:solidFill>
-                <a:schemeClr val="bg1"/>
-              </a:solidFill>
-              <a:latin typeface="배달의민족 도현" panose="020B0600000101010101" pitchFamily="50" charset="-127"/>
-              <a:ea typeface="배달의민족 도현" panose="020B0600000101010101" pitchFamily="50" charset="-127"/>
-            </a:endParaRPr>
           </a:p>
           <a:p>
             <a:r>
@@ -42674,20 +42410,6 @@
               </a:rPr>
               <a:t>Server</a:t>
             </a:r>
-            <a:endParaRPr lang="en-US" altLang="ko-KR" sz="2000" dirty="0" smtClean="0">
-              <a:ln w="9525">
-                <a:solidFill>
-                  <a:schemeClr val="bg1">
-                    <a:alpha val="0"/>
-                  </a:schemeClr>
-                </a:solidFill>
-              </a:ln>
-              <a:solidFill>
-                <a:schemeClr val="bg1"/>
-              </a:solidFill>
-              <a:latin typeface="배달의민족 도현" panose="020B0600000101010101" pitchFamily="50" charset="-127"/>
-              <a:ea typeface="배달의민족 도현" panose="020B0600000101010101" pitchFamily="50" charset="-127"/>
-            </a:endParaRPr>
           </a:p>
         </p:txBody>
       </p:sp>
@@ -42740,20 +42462,6 @@
               </a:rPr>
               <a:t>Backend</a:t>
             </a:r>
-            <a:endParaRPr lang="en-US" altLang="ko-KR" sz="2000" dirty="0" smtClean="0">
-              <a:ln w="9525">
-                <a:solidFill>
-                  <a:schemeClr val="bg1">
-                    <a:alpha val="0"/>
-                  </a:schemeClr>
-                </a:solidFill>
-              </a:ln>
-              <a:solidFill>
-                <a:schemeClr val="bg1"/>
-              </a:solidFill>
-              <a:latin typeface="배달의민족 도현" panose="020B0600000101010101" pitchFamily="50" charset="-127"/>
-              <a:ea typeface="배달의민족 도현" panose="020B0600000101010101" pitchFamily="50" charset="-127"/>
-            </a:endParaRPr>
           </a:p>
         </p:txBody>
       </p:sp>
@@ -42806,20 +42514,6 @@
               </a:rPr>
               <a:t>Frontend</a:t>
             </a:r>
-            <a:endParaRPr lang="en-US" altLang="ko-KR" sz="2000" dirty="0" smtClean="0">
-              <a:ln w="9525">
-                <a:solidFill>
-                  <a:schemeClr val="bg1">
-                    <a:alpha val="0"/>
-                  </a:schemeClr>
-                </a:solidFill>
-              </a:ln>
-              <a:solidFill>
-                <a:schemeClr val="bg1"/>
-              </a:solidFill>
-              <a:latin typeface="배달의민족 도현" panose="020B0600000101010101" pitchFamily="50" charset="-127"/>
-              <a:ea typeface="배달의민족 도현" panose="020B0600000101010101" pitchFamily="50" charset="-127"/>
-            </a:endParaRPr>
           </a:p>
         </p:txBody>
       </p:sp>
@@ -42872,20 +42566,6 @@
               </a:rPr>
               <a:t>ETC</a:t>
             </a:r>
-            <a:endParaRPr lang="en-US" altLang="ko-KR" sz="2000" dirty="0" smtClean="0">
-              <a:ln w="9525">
-                <a:solidFill>
-                  <a:schemeClr val="bg1">
-                    <a:alpha val="0"/>
-                  </a:schemeClr>
-                </a:solidFill>
-              </a:ln>
-              <a:solidFill>
-                <a:schemeClr val="bg1"/>
-              </a:solidFill>
-              <a:latin typeface="배달의민족 도현" panose="020B0600000101010101" pitchFamily="50" charset="-127"/>
-              <a:ea typeface="배달의민족 도현" panose="020B0600000101010101" pitchFamily="50" charset="-127"/>
-            </a:endParaRPr>
           </a:p>
         </p:txBody>
       </p:sp>
@@ -43234,20 +42914,6 @@
               </a:rPr>
               <a:t>ERD</a:t>
             </a:r>
-            <a:endParaRPr lang="en-US" altLang="ko-KR" sz="3600" dirty="0" smtClean="0">
-              <a:ln w="9525">
-                <a:solidFill>
-                  <a:schemeClr val="bg1">
-                    <a:alpha val="0"/>
-                  </a:schemeClr>
-                </a:solidFill>
-              </a:ln>
-              <a:solidFill>
-                <a:schemeClr val="bg1"/>
-              </a:solidFill>
-              <a:latin typeface="배달의민족 도현" panose="020B0600000101010101" pitchFamily="50" charset="-127"/>
-              <a:ea typeface="배달의민족 도현" panose="020B0600000101010101" pitchFamily="50" charset="-127"/>
-            </a:endParaRPr>
           </a:p>
         </p:txBody>
       </p:sp>
@@ -43792,20 +43458,6 @@
               </a:rPr>
               <a:t>ERD</a:t>
             </a:r>
-            <a:endParaRPr lang="en-US" altLang="ko-KR" sz="2800" dirty="0" smtClean="0">
-              <a:ln w="9525">
-                <a:solidFill>
-                  <a:schemeClr val="bg1">
-                    <a:alpha val="0"/>
-                  </a:schemeClr>
-                </a:solidFill>
-              </a:ln>
-              <a:solidFill>
-                <a:schemeClr val="bg1"/>
-              </a:solidFill>
-              <a:latin typeface="배달의민족 도현" panose="020B0600000101010101" pitchFamily="50" charset="-127"/>
-              <a:ea typeface="배달의민족 도현" panose="020B0600000101010101" pitchFamily="50" charset="-127"/>
-            </a:endParaRPr>
           </a:p>
         </p:txBody>
       </p:sp>
@@ -44440,20 +44092,6 @@
               </a:rPr>
               <a:t>IMPLEMENTS</a:t>
             </a:r>
-            <a:endParaRPr lang="en-US" altLang="ko-KR" sz="2800" dirty="0" smtClean="0">
-              <a:ln w="9525">
-                <a:solidFill>
-                  <a:schemeClr val="bg1">
-                    <a:alpha val="0"/>
-                  </a:schemeClr>
-                </a:solidFill>
-              </a:ln>
-              <a:solidFill>
-                <a:schemeClr val="bg1"/>
-              </a:solidFill>
-              <a:latin typeface="배달의민족 도현" panose="020B0600000101010101" pitchFamily="50" charset="-127"/>
-              <a:ea typeface="배달의민족 도현" panose="020B0600000101010101" pitchFamily="50" charset="-127"/>
-            </a:endParaRPr>
           </a:p>
         </p:txBody>
       </p:sp>
